--- a/others/FYP Topic Presentation.pptx
+++ b/others/FYP Topic Presentation.pptx
@@ -11,6 +11,25 @@
     <p:sldId id="259" r:id="rId5"/>
     <p:sldId id="260" r:id="rId6"/>
     <p:sldId id="261" r:id="rId7"/>
+    <p:sldId id="262" r:id="rId8"/>
+    <p:sldId id="263" r:id="rId9"/>
+    <p:sldId id="264" r:id="rId10"/>
+    <p:sldId id="265" r:id="rId11"/>
+    <p:sldId id="268" r:id="rId12"/>
+    <p:sldId id="266" r:id="rId13"/>
+    <p:sldId id="267" r:id="rId14"/>
+    <p:sldId id="269" r:id="rId15"/>
+    <p:sldId id="270" r:id="rId16"/>
+    <p:sldId id="271" r:id="rId17"/>
+    <p:sldId id="272" r:id="rId18"/>
+    <p:sldId id="273" r:id="rId19"/>
+    <p:sldId id="274" r:id="rId20"/>
+    <p:sldId id="275" r:id="rId21"/>
+    <p:sldId id="276" r:id="rId22"/>
+    <p:sldId id="277" r:id="rId23"/>
+    <p:sldId id="278" r:id="rId24"/>
+    <p:sldId id="279" r:id="rId25"/>
+    <p:sldId id="280" r:id="rId26"/>
   </p:sldIdLst>
   <p:sldSz cx="12192000" cy="6858000"/>
   <p:notesSz cx="6858000" cy="9144000"/>
@@ -109,6 +128,11 @@
       </a:defRPr>
     </a:lvl9pPr>
   </p:defaultTextStyle>
+  <p:extLst>
+    <p:ext uri="{EFAFB233-063F-42B5-8137-9DF3F51BA10A}">
+      <p15:sldGuideLst xmlns:p15="http://schemas.microsoft.com/office/powerpoint/2012/main"/>
+    </p:ext>
+  </p:extLst>
 </p:presentation>
 </file>
 
@@ -834,7 +858,7 @@
           <a:p>
             <a:fld id="{65345ABE-431C-4124-8D04-BE22CB636638}" type="datetimeFigureOut">
               <a:rPr lang="en-SG" smtClean="0"/>
-              <a:t>21/8/2020</a:t>
+              <a:t>11/1/2021</a:t>
             </a:fld>
             <a:endParaRPr lang="en-SG"/>
           </a:p>
@@ -1085,7 +1109,7 @@
           <a:p>
             <a:fld id="{65345ABE-431C-4124-8D04-BE22CB636638}" type="datetimeFigureOut">
               <a:rPr lang="en-SG" smtClean="0"/>
-              <a:t>21/8/2020</a:t>
+              <a:t>11/1/2021</a:t>
             </a:fld>
             <a:endParaRPr lang="en-SG"/>
           </a:p>
@@ -1399,7 +1423,7 @@
           <a:p>
             <a:fld id="{65345ABE-431C-4124-8D04-BE22CB636638}" type="datetimeFigureOut">
               <a:rPr lang="en-SG" smtClean="0"/>
-              <a:t>21/8/2020</a:t>
+              <a:t>11/1/2021</a:t>
             </a:fld>
             <a:endParaRPr lang="en-SG"/>
           </a:p>
@@ -1740,7 +1764,7 @@
           <a:p>
             <a:fld id="{65345ABE-431C-4124-8D04-BE22CB636638}" type="datetimeFigureOut">
               <a:rPr lang="en-SG" smtClean="0"/>
-              <a:t>21/8/2020</a:t>
+              <a:t>11/1/2021</a:t>
             </a:fld>
             <a:endParaRPr lang="en-SG"/>
           </a:p>
@@ -2054,7 +2078,7 @@
           <a:p>
             <a:fld id="{65345ABE-431C-4124-8D04-BE22CB636638}" type="datetimeFigureOut">
               <a:rPr lang="en-SG" smtClean="0"/>
-              <a:t>21/8/2020</a:t>
+              <a:t>11/1/2021</a:t>
             </a:fld>
             <a:endParaRPr lang="en-SG"/>
           </a:p>
@@ -2447,7 +2471,7 @@
           <a:p>
             <a:fld id="{65345ABE-431C-4124-8D04-BE22CB636638}" type="datetimeFigureOut">
               <a:rPr lang="en-SG" smtClean="0"/>
-              <a:t>21/8/2020</a:t>
+              <a:t>11/1/2021</a:t>
             </a:fld>
             <a:endParaRPr lang="en-SG"/>
           </a:p>
@@ -2617,7 +2641,7 @@
           <a:p>
             <a:fld id="{65345ABE-431C-4124-8D04-BE22CB636638}" type="datetimeFigureOut">
               <a:rPr lang="en-SG" smtClean="0"/>
-              <a:t>21/8/2020</a:t>
+              <a:t>11/1/2021</a:t>
             </a:fld>
             <a:endParaRPr lang="en-SG"/>
           </a:p>
@@ -2797,7 +2821,7 @@
           <a:p>
             <a:fld id="{65345ABE-431C-4124-8D04-BE22CB636638}" type="datetimeFigureOut">
               <a:rPr lang="en-SG" smtClean="0"/>
-              <a:t>21/8/2020</a:t>
+              <a:t>11/1/2021</a:t>
             </a:fld>
             <a:endParaRPr lang="en-SG"/>
           </a:p>
@@ -2973,7 +2997,7 @@
           <a:p>
             <a:fld id="{65345ABE-431C-4124-8D04-BE22CB636638}" type="datetimeFigureOut">
               <a:rPr lang="en-SG" smtClean="0"/>
-              <a:t>21/8/2020</a:t>
+              <a:t>11/1/2021</a:t>
             </a:fld>
             <a:endParaRPr lang="en-SG"/>
           </a:p>
@@ -3220,7 +3244,7 @@
           <a:p>
             <a:fld id="{65345ABE-431C-4124-8D04-BE22CB636638}" type="datetimeFigureOut">
               <a:rPr lang="en-SG" smtClean="0"/>
-              <a:t>21/8/2020</a:t>
+              <a:t>11/1/2021</a:t>
             </a:fld>
             <a:endParaRPr lang="en-SG"/>
           </a:p>
@@ -3452,7 +3476,7 @@
           <a:p>
             <a:fld id="{65345ABE-431C-4124-8D04-BE22CB636638}" type="datetimeFigureOut">
               <a:rPr lang="en-SG" smtClean="0"/>
-              <a:t>21/8/2020</a:t>
+              <a:t>11/1/2021</a:t>
             </a:fld>
             <a:endParaRPr lang="en-SG"/>
           </a:p>
@@ -3826,7 +3850,7 @@
           <a:p>
             <a:fld id="{65345ABE-431C-4124-8D04-BE22CB636638}" type="datetimeFigureOut">
               <a:rPr lang="en-SG" smtClean="0"/>
-              <a:t>21/8/2020</a:t>
+              <a:t>11/1/2021</a:t>
             </a:fld>
             <a:endParaRPr lang="en-SG"/>
           </a:p>
@@ -3949,7 +3973,7 @@
           <a:p>
             <a:fld id="{65345ABE-431C-4124-8D04-BE22CB636638}" type="datetimeFigureOut">
               <a:rPr lang="en-SG" smtClean="0"/>
-              <a:t>21/8/2020</a:t>
+              <a:t>11/1/2021</a:t>
             </a:fld>
             <a:endParaRPr lang="en-SG"/>
           </a:p>
@@ -4044,7 +4068,7 @@
           <a:p>
             <a:fld id="{65345ABE-431C-4124-8D04-BE22CB636638}" type="datetimeFigureOut">
               <a:rPr lang="en-SG" smtClean="0"/>
-              <a:t>21/8/2020</a:t>
+              <a:t>11/1/2021</a:t>
             </a:fld>
             <a:endParaRPr lang="en-SG"/>
           </a:p>
@@ -4299,7 +4323,7 @@
           <a:p>
             <a:fld id="{65345ABE-431C-4124-8D04-BE22CB636638}" type="datetimeFigureOut">
               <a:rPr lang="en-SG" smtClean="0"/>
-              <a:t>21/8/2020</a:t>
+              <a:t>11/1/2021</a:t>
             </a:fld>
             <a:endParaRPr lang="en-SG"/>
           </a:p>
@@ -4562,7 +4586,7 @@
           <a:p>
             <a:fld id="{65345ABE-431C-4124-8D04-BE22CB636638}" type="datetimeFigureOut">
               <a:rPr lang="en-SG" smtClean="0"/>
-              <a:t>21/8/2020</a:t>
+              <a:t>11/1/2021</a:t>
             </a:fld>
             <a:endParaRPr lang="en-SG"/>
           </a:p>
@@ -5305,7 +5329,7 @@
           <a:p>
             <a:fld id="{65345ABE-431C-4124-8D04-BE22CB636638}" type="datetimeFigureOut">
               <a:rPr lang="en-SG" smtClean="0"/>
-              <a:t>21/8/2020</a:t>
+              <a:t>11/1/2021</a:t>
             </a:fld>
             <a:endParaRPr lang="en-SG"/>
           </a:p>
@@ -5917,6 +5941,1053 @@
 </p:sld>
 </file>
 
+<file path=ppt/slides/slide10.xml><?xml version="1.0" encoding="utf-8"?>
+<p:sld xmlns:a="http://schemas.openxmlformats.org/drawingml/2006/main" xmlns:r="http://schemas.openxmlformats.org/officeDocument/2006/relationships" xmlns:p="http://schemas.openxmlformats.org/presentationml/2006/main">
+  <p:cSld>
+    <p:spTree>
+      <p:nvGrpSpPr>
+        <p:cNvPr id="1" name=""/>
+        <p:cNvGrpSpPr/>
+        <p:nvPr/>
+      </p:nvGrpSpPr>
+      <p:grpSpPr>
+        <a:xfrm>
+          <a:off x="0" y="0"/>
+          <a:ext cx="0" cy="0"/>
+          <a:chOff x="0" y="0"/>
+          <a:chExt cx="0" cy="0"/>
+        </a:xfrm>
+      </p:grpSpPr>
+      <p:sp>
+        <p:nvSpPr>
+          <p:cNvPr id="2" name="Title 1">
+            <a:extLst>
+              <a:ext uri="{FF2B5EF4-FFF2-40B4-BE49-F238E27FC236}">
+                <a16:creationId xmlns:a16="http://schemas.microsoft.com/office/drawing/2014/main" id="{2D0F5405-506F-4B72-A14A-A3C93BCABD6E}"/>
+              </a:ext>
+            </a:extLst>
+          </p:cNvPr>
+          <p:cNvSpPr>
+            <a:spLocks noGrp="1"/>
+          </p:cNvSpPr>
+          <p:nvPr>
+            <p:ph type="title"/>
+          </p:nvPr>
+        </p:nvSpPr>
+        <p:spPr/>
+        <p:txBody>
+          <a:bodyPr/>
+          <a:lstStyle/>
+          <a:p>
+            <a:r>
+              <a:rPr lang="en-SG" dirty="0"/>
+              <a:t>Comparing Classifier Performance</a:t>
+            </a:r>
+          </a:p>
+        </p:txBody>
+      </p:sp>
+      <p:sp>
+        <p:nvSpPr>
+          <p:cNvPr id="3" name="Content Placeholder 2">
+            <a:extLst>
+              <a:ext uri="{FF2B5EF4-FFF2-40B4-BE49-F238E27FC236}">
+                <a16:creationId xmlns:a16="http://schemas.microsoft.com/office/drawing/2014/main" id="{7B63708B-343B-498A-9122-B67511183128}"/>
+              </a:ext>
+            </a:extLst>
+          </p:cNvPr>
+          <p:cNvSpPr>
+            <a:spLocks noGrp="1"/>
+          </p:cNvSpPr>
+          <p:nvPr>
+            <p:ph idx="1"/>
+          </p:nvPr>
+        </p:nvSpPr>
+        <p:spPr/>
+        <p:txBody>
+          <a:bodyPr/>
+          <a:lstStyle/>
+          <a:p>
+            <a:r>
+              <a:rPr lang="en-SG" dirty="0"/>
+              <a:t>PCA helps to negate the effects of the low-variance genes</a:t>
+            </a:r>
+          </a:p>
+        </p:txBody>
+      </p:sp>
+    </p:spTree>
+    <p:extLst>
+      <p:ext uri="{BB962C8B-B14F-4D97-AF65-F5344CB8AC3E}">
+        <p14:creationId xmlns:p14="http://schemas.microsoft.com/office/powerpoint/2010/main" val="160166799"/>
+      </p:ext>
+    </p:extLst>
+  </p:cSld>
+  <p:clrMapOvr>
+    <a:masterClrMapping/>
+  </p:clrMapOvr>
+</p:sld>
+</file>
+
+<file path=ppt/slides/slide11.xml><?xml version="1.0" encoding="utf-8"?>
+<p:sld xmlns:a="http://schemas.openxmlformats.org/drawingml/2006/main" xmlns:r="http://schemas.openxmlformats.org/officeDocument/2006/relationships" xmlns:p="http://schemas.openxmlformats.org/presentationml/2006/main">
+  <p:cSld>
+    <p:spTree>
+      <p:nvGrpSpPr>
+        <p:cNvPr id="1" name=""/>
+        <p:cNvGrpSpPr/>
+        <p:nvPr/>
+      </p:nvGrpSpPr>
+      <p:grpSpPr>
+        <a:xfrm>
+          <a:off x="0" y="0"/>
+          <a:ext cx="0" cy="0"/>
+          <a:chOff x="0" y="0"/>
+          <a:chExt cx="0" cy="0"/>
+        </a:xfrm>
+      </p:grpSpPr>
+      <p:sp>
+        <p:nvSpPr>
+          <p:cNvPr id="2" name="Title 1">
+            <a:extLst>
+              <a:ext uri="{FF2B5EF4-FFF2-40B4-BE49-F238E27FC236}">
+                <a16:creationId xmlns:a16="http://schemas.microsoft.com/office/drawing/2014/main" id="{41151994-F3F1-446E-A9F6-74B495CEDC2D}"/>
+              </a:ext>
+            </a:extLst>
+          </p:cNvPr>
+          <p:cNvSpPr>
+            <a:spLocks noGrp="1"/>
+          </p:cNvSpPr>
+          <p:nvPr>
+            <p:ph type="title"/>
+          </p:nvPr>
+        </p:nvSpPr>
+        <p:spPr/>
+        <p:txBody>
+          <a:bodyPr/>
+          <a:lstStyle/>
+          <a:p>
+            <a:endParaRPr lang="en-SG"/>
+          </a:p>
+        </p:txBody>
+      </p:sp>
+      <p:sp>
+        <p:nvSpPr>
+          <p:cNvPr id="3" name="Content Placeholder 2">
+            <a:extLst>
+              <a:ext uri="{FF2B5EF4-FFF2-40B4-BE49-F238E27FC236}">
+                <a16:creationId xmlns:a16="http://schemas.microsoft.com/office/drawing/2014/main" id="{0D4E35C4-5031-4ED4-AC77-F81D04B0B60A}"/>
+              </a:ext>
+            </a:extLst>
+          </p:cNvPr>
+          <p:cNvSpPr>
+            <a:spLocks noGrp="1"/>
+          </p:cNvSpPr>
+          <p:nvPr>
+            <p:ph idx="1"/>
+          </p:nvPr>
+        </p:nvSpPr>
+        <p:spPr/>
+        <p:txBody>
+          <a:bodyPr/>
+          <a:lstStyle/>
+          <a:p>
+            <a:pPr marL="0" indent="0">
+              <a:buNone/>
+            </a:pPr>
+            <a:r>
+              <a:rPr lang="en-GB" dirty="0"/>
+              <a:t>Accumulated effect:</a:t>
+            </a:r>
+          </a:p>
+          <a:p>
+            <a:pPr marL="0" indent="0">
+              <a:buNone/>
+            </a:pPr>
+            <a:r>
+              <a:rPr lang="en-GB" dirty="0"/>
+              <a:t>top 10 000 genes and:</a:t>
+            </a:r>
+          </a:p>
+          <a:p>
+            <a:r>
+              <a:rPr lang="en-GB" dirty="0"/>
+              <a:t>32 000 - 34 000: 37%</a:t>
+            </a:r>
+          </a:p>
+          <a:p>
+            <a:r>
+              <a:rPr lang="en-GB" dirty="0"/>
+              <a:t>32 000 - 36 000: 25%</a:t>
+            </a:r>
+          </a:p>
+          <a:p>
+            <a:r>
+              <a:rPr lang="en-GB" dirty="0"/>
+              <a:t>32 000 - 38 000: 18%</a:t>
+            </a:r>
+          </a:p>
+          <a:p>
+            <a:r>
+              <a:rPr lang="en-GB" dirty="0"/>
+              <a:t>32 000 - 38 500: 19%</a:t>
+            </a:r>
+          </a:p>
+          <a:p>
+            <a:endParaRPr lang="en-GB" dirty="0"/>
+          </a:p>
+          <a:p>
+            <a:r>
+              <a:rPr lang="en-GB" dirty="0"/>
+              <a:t>Accuracy starts to drop when more low-variance genes are placed together.</a:t>
+            </a:r>
+            <a:endParaRPr lang="en-SG" dirty="0"/>
+          </a:p>
+        </p:txBody>
+      </p:sp>
+    </p:spTree>
+    <p:extLst>
+      <p:ext uri="{BB962C8B-B14F-4D97-AF65-F5344CB8AC3E}">
+        <p14:creationId xmlns:p14="http://schemas.microsoft.com/office/powerpoint/2010/main" val="331381080"/>
+      </p:ext>
+    </p:extLst>
+  </p:cSld>
+  <p:clrMapOvr>
+    <a:masterClrMapping/>
+  </p:clrMapOvr>
+</p:sld>
+</file>
+
+<file path=ppt/slides/slide12.xml><?xml version="1.0" encoding="utf-8"?>
+<p:sld xmlns:a="http://schemas.openxmlformats.org/drawingml/2006/main" xmlns:r="http://schemas.openxmlformats.org/officeDocument/2006/relationships" xmlns:p="http://schemas.openxmlformats.org/presentationml/2006/main">
+  <p:cSld>
+    <p:spTree>
+      <p:nvGrpSpPr>
+        <p:cNvPr id="1" name=""/>
+        <p:cNvGrpSpPr/>
+        <p:nvPr/>
+      </p:nvGrpSpPr>
+      <p:grpSpPr>
+        <a:xfrm>
+          <a:off x="0" y="0"/>
+          <a:ext cx="0" cy="0"/>
+          <a:chOff x="0" y="0"/>
+          <a:chExt cx="0" cy="0"/>
+        </a:xfrm>
+      </p:grpSpPr>
+      <p:sp>
+        <p:nvSpPr>
+          <p:cNvPr id="2" name="Title 1">
+            <a:extLst>
+              <a:ext uri="{FF2B5EF4-FFF2-40B4-BE49-F238E27FC236}">
+                <a16:creationId xmlns:a16="http://schemas.microsoft.com/office/drawing/2014/main" id="{B9876434-34CB-434E-8941-B8B7B56707DA}"/>
+              </a:ext>
+            </a:extLst>
+          </p:cNvPr>
+          <p:cNvSpPr>
+            <a:spLocks noGrp="1"/>
+          </p:cNvSpPr>
+          <p:nvPr>
+            <p:ph type="title"/>
+          </p:nvPr>
+        </p:nvSpPr>
+        <p:spPr/>
+        <p:txBody>
+          <a:bodyPr/>
+          <a:lstStyle/>
+          <a:p>
+            <a:r>
+              <a:rPr lang="en-SG" dirty="0"/>
+              <a:t>Comparing Classifier Performance</a:t>
+            </a:r>
+          </a:p>
+        </p:txBody>
+      </p:sp>
+      <p:sp>
+        <p:nvSpPr>
+          <p:cNvPr id="3" name="Content Placeholder 2">
+            <a:extLst>
+              <a:ext uri="{FF2B5EF4-FFF2-40B4-BE49-F238E27FC236}">
+                <a16:creationId xmlns:a16="http://schemas.microsoft.com/office/drawing/2014/main" id="{0A6B7DBA-EE33-4ABE-8740-56D164F6A9C5}"/>
+              </a:ext>
+            </a:extLst>
+          </p:cNvPr>
+          <p:cNvSpPr>
+            <a:spLocks noGrp="1"/>
+          </p:cNvSpPr>
+          <p:nvPr>
+            <p:ph idx="1"/>
+          </p:nvPr>
+        </p:nvSpPr>
+        <p:spPr/>
+        <p:txBody>
+          <a:bodyPr/>
+          <a:lstStyle/>
+          <a:p>
+            <a:r>
+              <a:rPr lang="en-SG" dirty="0"/>
+              <a:t>Then, I wanted to see if PCA would have any negative effects on the high-variance genes.</a:t>
+            </a:r>
+          </a:p>
+        </p:txBody>
+      </p:sp>
+    </p:spTree>
+    <p:extLst>
+      <p:ext uri="{BB962C8B-B14F-4D97-AF65-F5344CB8AC3E}">
+        <p14:creationId xmlns:p14="http://schemas.microsoft.com/office/powerpoint/2010/main" val="3948554824"/>
+      </p:ext>
+    </p:extLst>
+  </p:cSld>
+  <p:clrMapOvr>
+    <a:masterClrMapping/>
+  </p:clrMapOvr>
+</p:sld>
+</file>
+
+<file path=ppt/slides/slide13.xml><?xml version="1.0" encoding="utf-8"?>
+<p:sld xmlns:a="http://schemas.openxmlformats.org/drawingml/2006/main" xmlns:r="http://schemas.openxmlformats.org/officeDocument/2006/relationships" xmlns:p="http://schemas.openxmlformats.org/presentationml/2006/main">
+  <p:cSld>
+    <p:spTree>
+      <p:nvGrpSpPr>
+        <p:cNvPr id="1" name=""/>
+        <p:cNvGrpSpPr/>
+        <p:nvPr/>
+      </p:nvGrpSpPr>
+      <p:grpSpPr>
+        <a:xfrm>
+          <a:off x="0" y="0"/>
+          <a:ext cx="0" cy="0"/>
+          <a:chOff x="0" y="0"/>
+          <a:chExt cx="0" cy="0"/>
+        </a:xfrm>
+      </p:grpSpPr>
+      <p:sp>
+        <p:nvSpPr>
+          <p:cNvPr id="2" name="Title 1">
+            <a:extLst>
+              <a:ext uri="{FF2B5EF4-FFF2-40B4-BE49-F238E27FC236}">
+                <a16:creationId xmlns:a16="http://schemas.microsoft.com/office/drawing/2014/main" id="{29072A1B-B5AE-40A8-B4A1-B75D912F26A4}"/>
+              </a:ext>
+            </a:extLst>
+          </p:cNvPr>
+          <p:cNvSpPr>
+            <a:spLocks noGrp="1"/>
+          </p:cNvSpPr>
+          <p:nvPr>
+            <p:ph type="title"/>
+          </p:nvPr>
+        </p:nvSpPr>
+        <p:spPr/>
+        <p:txBody>
+          <a:bodyPr/>
+          <a:lstStyle/>
+          <a:p>
+            <a:endParaRPr lang="en-SG" dirty="0"/>
+          </a:p>
+        </p:txBody>
+      </p:sp>
+      <p:sp>
+        <p:nvSpPr>
+          <p:cNvPr id="3" name="Content Placeholder 2">
+            <a:extLst>
+              <a:ext uri="{FF2B5EF4-FFF2-40B4-BE49-F238E27FC236}">
+                <a16:creationId xmlns:a16="http://schemas.microsoft.com/office/drawing/2014/main" id="{886D95B3-AA0B-4658-AAF7-37AE4897F00F}"/>
+              </a:ext>
+            </a:extLst>
+          </p:cNvPr>
+          <p:cNvSpPr>
+            <a:spLocks noGrp="1"/>
+          </p:cNvSpPr>
+          <p:nvPr>
+            <p:ph idx="1"/>
+          </p:nvPr>
+        </p:nvSpPr>
+        <p:spPr/>
+        <p:txBody>
+          <a:bodyPr/>
+          <a:lstStyle/>
+          <a:p>
+            <a:pPr marL="0" indent="0">
+              <a:buNone/>
+            </a:pPr>
+            <a:r>
+              <a:rPr lang="en-GB" dirty="0"/>
+              <a:t>High variance genes:</a:t>
+            </a:r>
+          </a:p>
+          <a:p>
+            <a:r>
+              <a:rPr lang="en-GB" dirty="0"/>
+              <a:t>top 10 000: 38%, with </a:t>
+            </a:r>
+            <a:r>
+              <a:rPr lang="en-GB" dirty="0" err="1"/>
+              <a:t>pca</a:t>
+            </a:r>
+            <a:r>
+              <a:rPr lang="en-GB" dirty="0"/>
+              <a:t>: 52%</a:t>
+            </a:r>
+          </a:p>
+          <a:p>
+            <a:r>
+              <a:rPr lang="en-GB" dirty="0"/>
+              <a:t>top 12 000: 36%, with </a:t>
+            </a:r>
+            <a:r>
+              <a:rPr lang="en-GB" dirty="0" err="1"/>
+              <a:t>pca</a:t>
+            </a:r>
+            <a:r>
+              <a:rPr lang="en-GB" dirty="0"/>
+              <a:t>: 50%</a:t>
+            </a:r>
+          </a:p>
+          <a:p>
+            <a:r>
+              <a:rPr lang="en-GB" dirty="0"/>
+              <a:t>top 14 000: 42%, with </a:t>
+            </a:r>
+            <a:r>
+              <a:rPr lang="en-GB" dirty="0" err="1"/>
+              <a:t>pca</a:t>
+            </a:r>
+            <a:r>
+              <a:rPr lang="en-GB" dirty="0"/>
+              <a:t>: 47%</a:t>
+            </a:r>
+          </a:p>
+          <a:p>
+            <a:r>
+              <a:rPr lang="en-GB" dirty="0"/>
+              <a:t>top 16 000: 41%, with </a:t>
+            </a:r>
+            <a:r>
+              <a:rPr lang="en-GB" dirty="0" err="1"/>
+              <a:t>pca</a:t>
+            </a:r>
+            <a:r>
+              <a:rPr lang="en-GB" dirty="0"/>
+              <a:t>: 48%</a:t>
+            </a:r>
+          </a:p>
+          <a:p>
+            <a:r>
+              <a:rPr lang="en-GB" dirty="0"/>
+              <a:t>top 16 500: 34%, with </a:t>
+            </a:r>
+            <a:r>
+              <a:rPr lang="en-GB" dirty="0" err="1"/>
+              <a:t>pca</a:t>
+            </a:r>
+            <a:r>
+              <a:rPr lang="en-GB" dirty="0"/>
+              <a:t>: 40%</a:t>
+            </a:r>
+          </a:p>
+          <a:p>
+            <a:endParaRPr lang="en-GB" dirty="0"/>
+          </a:p>
+          <a:p>
+            <a:r>
+              <a:rPr lang="en-GB" dirty="0"/>
+              <a:t>PCA does not hurt the accuracy.</a:t>
+            </a:r>
+          </a:p>
+          <a:p>
+            <a:endParaRPr lang="en-GB" dirty="0"/>
+          </a:p>
+          <a:p>
+            <a:endParaRPr lang="en-GB" dirty="0"/>
+          </a:p>
+          <a:p>
+            <a:endParaRPr lang="en-GB" dirty="0"/>
+          </a:p>
+          <a:p>
+            <a:endParaRPr lang="en-SG" dirty="0"/>
+          </a:p>
+        </p:txBody>
+      </p:sp>
+    </p:spTree>
+    <p:extLst>
+      <p:ext uri="{BB962C8B-B14F-4D97-AF65-F5344CB8AC3E}">
+        <p14:creationId xmlns:p14="http://schemas.microsoft.com/office/powerpoint/2010/main" val="2541969133"/>
+      </p:ext>
+    </p:extLst>
+  </p:cSld>
+  <p:clrMapOvr>
+    <a:masterClrMapping/>
+  </p:clrMapOvr>
+</p:sld>
+</file>
+
+<file path=ppt/slides/slide14.xml><?xml version="1.0" encoding="utf-8"?>
+<p:sld xmlns:a="http://schemas.openxmlformats.org/drawingml/2006/main" xmlns:r="http://schemas.openxmlformats.org/officeDocument/2006/relationships" xmlns:p="http://schemas.openxmlformats.org/presentationml/2006/main">
+  <p:cSld>
+    <p:spTree>
+      <p:nvGrpSpPr>
+        <p:cNvPr id="1" name=""/>
+        <p:cNvGrpSpPr/>
+        <p:nvPr/>
+      </p:nvGrpSpPr>
+      <p:grpSpPr>
+        <a:xfrm>
+          <a:off x="0" y="0"/>
+          <a:ext cx="0" cy="0"/>
+          <a:chOff x="0" y="0"/>
+          <a:chExt cx="0" cy="0"/>
+        </a:xfrm>
+      </p:grpSpPr>
+      <p:sp>
+        <p:nvSpPr>
+          <p:cNvPr id="2" name="Title 1">
+            <a:extLst>
+              <a:ext uri="{FF2B5EF4-FFF2-40B4-BE49-F238E27FC236}">
+                <a16:creationId xmlns:a16="http://schemas.microsoft.com/office/drawing/2014/main" id="{9497A748-A63F-460E-9C61-E4F6554DD112}"/>
+              </a:ext>
+            </a:extLst>
+          </p:cNvPr>
+          <p:cNvSpPr>
+            <a:spLocks noGrp="1"/>
+          </p:cNvSpPr>
+          <p:nvPr>
+            <p:ph type="title"/>
+          </p:nvPr>
+        </p:nvSpPr>
+        <p:spPr/>
+        <p:txBody>
+          <a:bodyPr/>
+          <a:lstStyle/>
+          <a:p>
+            <a:r>
+              <a:rPr lang="en-SG" dirty="0"/>
+              <a:t>Comparing Classifier Performance</a:t>
+            </a:r>
+          </a:p>
+        </p:txBody>
+      </p:sp>
+      <p:sp>
+        <p:nvSpPr>
+          <p:cNvPr id="3" name="Content Placeholder 2">
+            <a:extLst>
+              <a:ext uri="{FF2B5EF4-FFF2-40B4-BE49-F238E27FC236}">
+                <a16:creationId xmlns:a16="http://schemas.microsoft.com/office/drawing/2014/main" id="{6E10873C-829D-452B-AF70-0A90FCD9CE90}"/>
+              </a:ext>
+            </a:extLst>
+          </p:cNvPr>
+          <p:cNvSpPr>
+            <a:spLocks noGrp="1"/>
+          </p:cNvSpPr>
+          <p:nvPr>
+            <p:ph idx="1"/>
+          </p:nvPr>
+        </p:nvSpPr>
+        <p:spPr/>
+        <p:txBody>
+          <a:bodyPr/>
+          <a:lstStyle/>
+          <a:p>
+            <a:r>
+              <a:rPr lang="en-SG" dirty="0"/>
+              <a:t>PCA does not hurt the classifier performance of high-variance genes.</a:t>
+            </a:r>
+          </a:p>
+          <a:p>
+            <a:r>
+              <a:rPr lang="en-SG" dirty="0"/>
+              <a:t>PCA helps address the negative effects of low-variance genes. </a:t>
+            </a:r>
+          </a:p>
+          <a:p>
+            <a:r>
+              <a:rPr lang="en-SG" dirty="0"/>
+              <a:t>PCA is safe to use.</a:t>
+            </a:r>
+          </a:p>
+        </p:txBody>
+      </p:sp>
+    </p:spTree>
+    <p:extLst>
+      <p:ext uri="{BB962C8B-B14F-4D97-AF65-F5344CB8AC3E}">
+        <p14:creationId xmlns:p14="http://schemas.microsoft.com/office/powerpoint/2010/main" val="3351372946"/>
+      </p:ext>
+    </p:extLst>
+  </p:cSld>
+  <p:clrMapOvr>
+    <a:masterClrMapping/>
+  </p:clrMapOvr>
+</p:sld>
+</file>
+
+<file path=ppt/slides/slide15.xml><?xml version="1.0" encoding="utf-8"?>
+<p:sld xmlns:a="http://schemas.openxmlformats.org/drawingml/2006/main" xmlns:r="http://schemas.openxmlformats.org/officeDocument/2006/relationships" xmlns:p="http://schemas.openxmlformats.org/presentationml/2006/main">
+  <p:cSld>
+    <p:spTree>
+      <p:nvGrpSpPr>
+        <p:cNvPr id="1" name=""/>
+        <p:cNvGrpSpPr/>
+        <p:nvPr/>
+      </p:nvGrpSpPr>
+      <p:grpSpPr>
+        <a:xfrm>
+          <a:off x="0" y="0"/>
+          <a:ext cx="0" cy="0"/>
+          <a:chOff x="0" y="0"/>
+          <a:chExt cx="0" cy="0"/>
+        </a:xfrm>
+      </p:grpSpPr>
+      <p:sp>
+        <p:nvSpPr>
+          <p:cNvPr id="2" name="Title 1">
+            <a:extLst>
+              <a:ext uri="{FF2B5EF4-FFF2-40B4-BE49-F238E27FC236}">
+                <a16:creationId xmlns:a16="http://schemas.microsoft.com/office/drawing/2014/main" id="{10984B11-6093-4F91-9DB0-E310D2D33A76}"/>
+              </a:ext>
+            </a:extLst>
+          </p:cNvPr>
+          <p:cNvSpPr>
+            <a:spLocks noGrp="1"/>
+          </p:cNvSpPr>
+          <p:nvPr>
+            <p:ph type="title"/>
+          </p:nvPr>
+        </p:nvSpPr>
+        <p:spPr/>
+        <p:txBody>
+          <a:bodyPr/>
+          <a:lstStyle/>
+          <a:p>
+            <a:r>
+              <a:rPr lang="en-SG" dirty="0"/>
+              <a:t>Clustering</a:t>
+            </a:r>
+          </a:p>
+        </p:txBody>
+      </p:sp>
+      <p:sp>
+        <p:nvSpPr>
+          <p:cNvPr id="3" name="Content Placeholder 2">
+            <a:extLst>
+              <a:ext uri="{FF2B5EF4-FFF2-40B4-BE49-F238E27FC236}">
+                <a16:creationId xmlns:a16="http://schemas.microsoft.com/office/drawing/2014/main" id="{D13D467C-B956-4831-997E-FB11DA7CD828}"/>
+              </a:ext>
+            </a:extLst>
+          </p:cNvPr>
+          <p:cNvSpPr>
+            <a:spLocks noGrp="1"/>
+          </p:cNvSpPr>
+          <p:nvPr>
+            <p:ph idx="1"/>
+          </p:nvPr>
+        </p:nvSpPr>
+        <p:spPr/>
+        <p:txBody>
+          <a:bodyPr/>
+          <a:lstStyle/>
+          <a:p>
+            <a:r>
+              <a:rPr lang="en-SG" dirty="0"/>
+              <a:t>Empirically determined: 12 clusters</a:t>
+            </a:r>
+          </a:p>
+          <a:p>
+            <a:r>
+              <a:rPr lang="en-SG" dirty="0"/>
+              <a:t>Was not able to get very good clusters.</a:t>
+            </a:r>
+          </a:p>
+          <a:p>
+            <a:r>
+              <a:rPr lang="en-SG" dirty="0"/>
+              <a:t>Any tricks that can be used to improve clustering?</a:t>
+            </a:r>
+          </a:p>
+        </p:txBody>
+      </p:sp>
+    </p:spTree>
+    <p:extLst>
+      <p:ext uri="{BB962C8B-B14F-4D97-AF65-F5344CB8AC3E}">
+        <p14:creationId xmlns:p14="http://schemas.microsoft.com/office/powerpoint/2010/main" val="1838244182"/>
+      </p:ext>
+    </p:extLst>
+  </p:cSld>
+  <p:clrMapOvr>
+    <a:masterClrMapping/>
+  </p:clrMapOvr>
+</p:sld>
+</file>
+
+<file path=ppt/slides/slide16.xml><?xml version="1.0" encoding="utf-8"?>
+<p:sld xmlns:a="http://schemas.openxmlformats.org/drawingml/2006/main" xmlns:r="http://schemas.openxmlformats.org/officeDocument/2006/relationships" xmlns:p="http://schemas.openxmlformats.org/presentationml/2006/main">
+  <p:cSld>
+    <p:spTree>
+      <p:nvGrpSpPr>
+        <p:cNvPr id="1" name=""/>
+        <p:cNvGrpSpPr/>
+        <p:nvPr/>
+      </p:nvGrpSpPr>
+      <p:grpSpPr>
+        <a:xfrm>
+          <a:off x="0" y="0"/>
+          <a:ext cx="0" cy="0"/>
+          <a:chOff x="0" y="0"/>
+          <a:chExt cx="0" cy="0"/>
+        </a:xfrm>
+      </p:grpSpPr>
+      <p:sp>
+        <p:nvSpPr>
+          <p:cNvPr id="2" name="Title 1">
+            <a:extLst>
+              <a:ext uri="{FF2B5EF4-FFF2-40B4-BE49-F238E27FC236}">
+                <a16:creationId xmlns:a16="http://schemas.microsoft.com/office/drawing/2014/main" id="{31FC15E5-F915-4553-92AA-2AD995CACF27}"/>
+              </a:ext>
+            </a:extLst>
+          </p:cNvPr>
+          <p:cNvSpPr>
+            <a:spLocks noGrp="1"/>
+          </p:cNvSpPr>
+          <p:nvPr>
+            <p:ph type="title"/>
+          </p:nvPr>
+        </p:nvSpPr>
+        <p:spPr/>
+        <p:txBody>
+          <a:bodyPr/>
+          <a:lstStyle/>
+          <a:p>
+            <a:r>
+              <a:rPr lang="en-SG" dirty="0"/>
+              <a:t>Clustering</a:t>
+            </a:r>
+          </a:p>
+        </p:txBody>
+      </p:sp>
+      <p:pic>
+        <p:nvPicPr>
+          <p:cNvPr id="5" name="Content Placeholder 4">
+            <a:extLst>
+              <a:ext uri="{FF2B5EF4-FFF2-40B4-BE49-F238E27FC236}">
+                <a16:creationId xmlns:a16="http://schemas.microsoft.com/office/drawing/2014/main" id="{28E3FE88-83C9-47FE-A771-7CF43E5F3BFC}"/>
+              </a:ext>
+            </a:extLst>
+          </p:cNvPr>
+          <p:cNvPicPr>
+            <a:picLocks noGrp="1" noChangeAspect="1"/>
+          </p:cNvPicPr>
+          <p:nvPr>
+            <p:ph idx="1"/>
+          </p:nvPr>
+        </p:nvPicPr>
+        <p:blipFill>
+          <a:blip r:embed="rId2">
+            <a:extLst>
+              <a:ext uri="{28A0092B-C50C-407E-A947-70E740481C1C}">
+                <a14:useLocalDpi xmlns:a14="http://schemas.microsoft.com/office/drawing/2010/main" val="0"/>
+              </a:ext>
+            </a:extLst>
+          </a:blip>
+          <a:stretch>
+            <a:fillRect/>
+          </a:stretch>
+        </p:blipFill>
+        <p:spPr>
+          <a:xfrm>
+            <a:off x="1021149" y="1714804"/>
+            <a:ext cx="8818175" cy="4327222"/>
+          </a:xfrm>
+        </p:spPr>
+      </p:pic>
+    </p:spTree>
+    <p:extLst>
+      <p:ext uri="{BB962C8B-B14F-4D97-AF65-F5344CB8AC3E}">
+        <p14:creationId xmlns:p14="http://schemas.microsoft.com/office/powerpoint/2010/main" val="4080053147"/>
+      </p:ext>
+    </p:extLst>
+  </p:cSld>
+  <p:clrMapOvr>
+    <a:masterClrMapping/>
+  </p:clrMapOvr>
+</p:sld>
+</file>
+
+<file path=ppt/slides/slide17.xml><?xml version="1.0" encoding="utf-8"?>
+<p:sld xmlns:a="http://schemas.openxmlformats.org/drawingml/2006/main" xmlns:r="http://schemas.openxmlformats.org/officeDocument/2006/relationships" xmlns:p="http://schemas.openxmlformats.org/presentationml/2006/main">
+  <p:cSld>
+    <p:spTree>
+      <p:nvGrpSpPr>
+        <p:cNvPr id="1" name=""/>
+        <p:cNvGrpSpPr/>
+        <p:nvPr/>
+      </p:nvGrpSpPr>
+      <p:grpSpPr>
+        <a:xfrm>
+          <a:off x="0" y="0"/>
+          <a:ext cx="0" cy="0"/>
+          <a:chOff x="0" y="0"/>
+          <a:chExt cx="0" cy="0"/>
+        </a:xfrm>
+      </p:grpSpPr>
+      <p:sp>
+        <p:nvSpPr>
+          <p:cNvPr id="2" name="Title 1">
+            <a:extLst>
+              <a:ext uri="{FF2B5EF4-FFF2-40B4-BE49-F238E27FC236}">
+                <a16:creationId xmlns:a16="http://schemas.microsoft.com/office/drawing/2014/main" id="{169BDD02-898C-4471-9DF5-2D9EECCE12C4}"/>
+              </a:ext>
+            </a:extLst>
+          </p:cNvPr>
+          <p:cNvSpPr>
+            <a:spLocks noGrp="1"/>
+          </p:cNvSpPr>
+          <p:nvPr>
+            <p:ph type="title"/>
+          </p:nvPr>
+        </p:nvSpPr>
+        <p:spPr/>
+        <p:txBody>
+          <a:bodyPr/>
+          <a:lstStyle/>
+          <a:p>
+            <a:r>
+              <a:rPr lang="en-SG" dirty="0"/>
+              <a:t>Clustering</a:t>
+            </a:r>
+          </a:p>
+        </p:txBody>
+      </p:sp>
+      <p:pic>
+        <p:nvPicPr>
+          <p:cNvPr id="5" name="Content Placeholder 4">
+            <a:extLst>
+              <a:ext uri="{FF2B5EF4-FFF2-40B4-BE49-F238E27FC236}">
+                <a16:creationId xmlns:a16="http://schemas.microsoft.com/office/drawing/2014/main" id="{7B4B8934-0E11-4308-AB1E-CB7C59CFE719}"/>
+              </a:ext>
+            </a:extLst>
+          </p:cNvPr>
+          <p:cNvPicPr>
+            <a:picLocks noGrp="1" noChangeAspect="1"/>
+          </p:cNvPicPr>
+          <p:nvPr>
+            <p:ph idx="1"/>
+          </p:nvPr>
+        </p:nvPicPr>
+        <p:blipFill>
+          <a:blip r:embed="rId2">
+            <a:extLst>
+              <a:ext uri="{28A0092B-C50C-407E-A947-70E740481C1C}">
+                <a14:useLocalDpi xmlns:a14="http://schemas.microsoft.com/office/drawing/2010/main" val="0"/>
+              </a:ext>
+            </a:extLst>
+          </a:blip>
+          <a:stretch>
+            <a:fillRect/>
+          </a:stretch>
+        </p:blipFill>
+        <p:spPr>
+          <a:xfrm>
+            <a:off x="1030030" y="1666876"/>
+            <a:ext cx="8895825" cy="4375150"/>
+          </a:xfrm>
+        </p:spPr>
+      </p:pic>
+    </p:spTree>
+    <p:extLst>
+      <p:ext uri="{BB962C8B-B14F-4D97-AF65-F5344CB8AC3E}">
+        <p14:creationId xmlns:p14="http://schemas.microsoft.com/office/powerpoint/2010/main" val="1497309762"/>
+      </p:ext>
+    </p:extLst>
+  </p:cSld>
+  <p:clrMapOvr>
+    <a:masterClrMapping/>
+  </p:clrMapOvr>
+</p:sld>
+</file>
+
+<file path=ppt/slides/slide18.xml><?xml version="1.0" encoding="utf-8"?>
+<p:sld xmlns:a="http://schemas.openxmlformats.org/drawingml/2006/main" xmlns:r="http://schemas.openxmlformats.org/officeDocument/2006/relationships" xmlns:p="http://schemas.openxmlformats.org/presentationml/2006/main">
+  <p:cSld>
+    <p:spTree>
+      <p:nvGrpSpPr>
+        <p:cNvPr id="1" name=""/>
+        <p:cNvGrpSpPr/>
+        <p:nvPr/>
+      </p:nvGrpSpPr>
+      <p:grpSpPr>
+        <a:xfrm>
+          <a:off x="0" y="0"/>
+          <a:ext cx="0" cy="0"/>
+          <a:chOff x="0" y="0"/>
+          <a:chExt cx="0" cy="0"/>
+        </a:xfrm>
+      </p:grpSpPr>
+      <p:sp>
+        <p:nvSpPr>
+          <p:cNvPr id="2" name="Title 1">
+            <a:extLst>
+              <a:ext uri="{FF2B5EF4-FFF2-40B4-BE49-F238E27FC236}">
+                <a16:creationId xmlns:a16="http://schemas.microsoft.com/office/drawing/2014/main" id="{47FB5090-D2A5-421E-99D4-57FF2CD1694D}"/>
+              </a:ext>
+            </a:extLst>
+          </p:cNvPr>
+          <p:cNvSpPr>
+            <a:spLocks noGrp="1"/>
+          </p:cNvSpPr>
+          <p:nvPr>
+            <p:ph type="title"/>
+          </p:nvPr>
+        </p:nvSpPr>
+        <p:spPr/>
+        <p:txBody>
+          <a:bodyPr/>
+          <a:lstStyle/>
+          <a:p>
+            <a:r>
+              <a:rPr lang="en-SG" dirty="0"/>
+              <a:t>Clustering</a:t>
+            </a:r>
+          </a:p>
+        </p:txBody>
+      </p:sp>
+      <p:pic>
+        <p:nvPicPr>
+          <p:cNvPr id="5" name="Content Placeholder 4">
+            <a:extLst>
+              <a:ext uri="{FF2B5EF4-FFF2-40B4-BE49-F238E27FC236}">
+                <a16:creationId xmlns:a16="http://schemas.microsoft.com/office/drawing/2014/main" id="{DD20D11F-4BAB-4A83-9E5C-BB9A1CAD086E}"/>
+              </a:ext>
+            </a:extLst>
+          </p:cNvPr>
+          <p:cNvPicPr>
+            <a:picLocks noGrp="1" noChangeAspect="1"/>
+          </p:cNvPicPr>
+          <p:nvPr>
+            <p:ph idx="1"/>
+          </p:nvPr>
+        </p:nvPicPr>
+        <p:blipFill>
+          <a:blip r:embed="rId2">
+            <a:extLst>
+              <a:ext uri="{28A0092B-C50C-407E-A947-70E740481C1C}">
+                <a14:useLocalDpi xmlns:a14="http://schemas.microsoft.com/office/drawing/2010/main" val="0"/>
+              </a:ext>
+            </a:extLst>
+          </a:blip>
+          <a:stretch>
+            <a:fillRect/>
+          </a:stretch>
+        </p:blipFill>
+        <p:spPr>
+          <a:xfrm>
+            <a:off x="1075881" y="1695450"/>
+            <a:ext cx="8735033" cy="4346575"/>
+          </a:xfrm>
+        </p:spPr>
+      </p:pic>
+    </p:spTree>
+    <p:extLst>
+      <p:ext uri="{BB962C8B-B14F-4D97-AF65-F5344CB8AC3E}">
+        <p14:creationId xmlns:p14="http://schemas.microsoft.com/office/powerpoint/2010/main" val="533312958"/>
+      </p:ext>
+    </p:extLst>
+  </p:cSld>
+  <p:clrMapOvr>
+    <a:masterClrMapping/>
+  </p:clrMapOvr>
+</p:sld>
+</file>
+
+<file path=ppt/slides/slide19.xml><?xml version="1.0" encoding="utf-8"?>
+<p:sld xmlns:a="http://schemas.openxmlformats.org/drawingml/2006/main" xmlns:r="http://schemas.openxmlformats.org/officeDocument/2006/relationships" xmlns:p="http://schemas.openxmlformats.org/presentationml/2006/main">
+  <p:cSld>
+    <p:spTree>
+      <p:nvGrpSpPr>
+        <p:cNvPr id="1" name=""/>
+        <p:cNvGrpSpPr/>
+        <p:nvPr/>
+      </p:nvGrpSpPr>
+      <p:grpSpPr>
+        <a:xfrm>
+          <a:off x="0" y="0"/>
+          <a:ext cx="0" cy="0"/>
+          <a:chOff x="0" y="0"/>
+          <a:chExt cx="0" cy="0"/>
+        </a:xfrm>
+      </p:grpSpPr>
+      <p:sp>
+        <p:nvSpPr>
+          <p:cNvPr id="2" name="Title 1">
+            <a:extLst>
+              <a:ext uri="{FF2B5EF4-FFF2-40B4-BE49-F238E27FC236}">
+                <a16:creationId xmlns:a16="http://schemas.microsoft.com/office/drawing/2014/main" id="{9BDCE8DA-2152-442D-9670-BF3B9C7DDC8B}"/>
+              </a:ext>
+            </a:extLst>
+          </p:cNvPr>
+          <p:cNvSpPr>
+            <a:spLocks noGrp="1"/>
+          </p:cNvSpPr>
+          <p:nvPr>
+            <p:ph type="title"/>
+          </p:nvPr>
+        </p:nvSpPr>
+        <p:spPr/>
+        <p:txBody>
+          <a:bodyPr/>
+          <a:lstStyle/>
+          <a:p>
+            <a:r>
+              <a:rPr lang="en-SG" dirty="0"/>
+              <a:t>F-test</a:t>
+            </a:r>
+          </a:p>
+        </p:txBody>
+      </p:sp>
+      <p:sp>
+        <p:nvSpPr>
+          <p:cNvPr id="3" name="Content Placeholder 2">
+            <a:extLst>
+              <a:ext uri="{FF2B5EF4-FFF2-40B4-BE49-F238E27FC236}">
+                <a16:creationId xmlns:a16="http://schemas.microsoft.com/office/drawing/2014/main" id="{2259B16D-B610-4FCE-A1A1-484B6A607B3B}"/>
+              </a:ext>
+            </a:extLst>
+          </p:cNvPr>
+          <p:cNvSpPr>
+            <a:spLocks noGrp="1"/>
+          </p:cNvSpPr>
+          <p:nvPr>
+            <p:ph idx="1"/>
+          </p:nvPr>
+        </p:nvSpPr>
+        <p:spPr/>
+        <p:txBody>
+          <a:bodyPr/>
+          <a:lstStyle/>
+          <a:p>
+            <a:r>
+              <a:rPr lang="en-SG" dirty="0"/>
+              <a:t>Checked </a:t>
+            </a:r>
+            <a:r>
+              <a:rPr lang="en-SG" dirty="0" err="1"/>
+              <a:t>Yanxi’s</a:t>
+            </a:r>
+            <a:r>
+              <a:rPr lang="en-SG" dirty="0"/>
+              <a:t> results (with FDR correction): same results</a:t>
+            </a:r>
+          </a:p>
+        </p:txBody>
+      </p:sp>
+    </p:spTree>
+    <p:extLst>
+      <p:ext uri="{BB962C8B-B14F-4D97-AF65-F5344CB8AC3E}">
+        <p14:creationId xmlns:p14="http://schemas.microsoft.com/office/powerpoint/2010/main" val="1071874137"/>
+      </p:ext>
+    </p:extLst>
+  </p:cSld>
+  <p:clrMapOvr>
+    <a:masterClrMapping/>
+  </p:clrMapOvr>
+</p:sld>
+</file>
+
 <file path=ppt/slides/slide2.xml><?xml version="1.0" encoding="utf-8"?>
 <p:sld xmlns:a="http://schemas.openxmlformats.org/drawingml/2006/main" xmlns:r="http://schemas.openxmlformats.org/officeDocument/2006/relationships" xmlns:p="http://schemas.openxmlformats.org/presentationml/2006/main">
   <p:cSld>
@@ -6026,6 +7097,675 @@
     <p:extLst>
       <p:ext uri="{BB962C8B-B14F-4D97-AF65-F5344CB8AC3E}">
         <p14:creationId xmlns:p14="http://schemas.microsoft.com/office/powerpoint/2010/main" val="1271810945"/>
+      </p:ext>
+    </p:extLst>
+  </p:cSld>
+  <p:clrMapOvr>
+    <a:masterClrMapping/>
+  </p:clrMapOvr>
+</p:sld>
+</file>
+
+<file path=ppt/slides/slide20.xml><?xml version="1.0" encoding="utf-8"?>
+<p:sld xmlns:a="http://schemas.openxmlformats.org/drawingml/2006/main" xmlns:r="http://schemas.openxmlformats.org/officeDocument/2006/relationships" xmlns:p="http://schemas.openxmlformats.org/presentationml/2006/main">
+  <p:cSld>
+    <p:spTree>
+      <p:nvGrpSpPr>
+        <p:cNvPr id="1" name=""/>
+        <p:cNvGrpSpPr/>
+        <p:nvPr/>
+      </p:nvGrpSpPr>
+      <p:grpSpPr>
+        <a:xfrm>
+          <a:off x="0" y="0"/>
+          <a:ext cx="0" cy="0"/>
+          <a:chOff x="0" y="0"/>
+          <a:chExt cx="0" cy="0"/>
+        </a:xfrm>
+      </p:grpSpPr>
+      <p:sp>
+        <p:nvSpPr>
+          <p:cNvPr id="2" name="Title 1">
+            <a:extLst>
+              <a:ext uri="{FF2B5EF4-FFF2-40B4-BE49-F238E27FC236}">
+                <a16:creationId xmlns:a16="http://schemas.microsoft.com/office/drawing/2014/main" id="{EF72D869-6D9B-4BC5-84B7-9574DBFE1CE3}"/>
+              </a:ext>
+            </a:extLst>
+          </p:cNvPr>
+          <p:cNvSpPr>
+            <a:spLocks noGrp="1"/>
+          </p:cNvSpPr>
+          <p:nvPr>
+            <p:ph type="title"/>
+          </p:nvPr>
+        </p:nvSpPr>
+        <p:spPr/>
+        <p:txBody>
+          <a:bodyPr/>
+          <a:lstStyle/>
+          <a:p>
+            <a:r>
+              <a:rPr lang="en-SG" dirty="0"/>
+              <a:t>PCA</a:t>
+            </a:r>
+          </a:p>
+        </p:txBody>
+      </p:sp>
+      <p:sp>
+        <p:nvSpPr>
+          <p:cNvPr id="3" name="Content Placeholder 2">
+            <a:extLst>
+              <a:ext uri="{FF2B5EF4-FFF2-40B4-BE49-F238E27FC236}">
+                <a16:creationId xmlns:a16="http://schemas.microsoft.com/office/drawing/2014/main" id="{58404AEE-09D8-459E-B813-5C2B540DC31E}"/>
+              </a:ext>
+            </a:extLst>
+          </p:cNvPr>
+          <p:cNvSpPr>
+            <a:spLocks noGrp="1"/>
+          </p:cNvSpPr>
+          <p:nvPr>
+            <p:ph idx="1"/>
+          </p:nvPr>
+        </p:nvSpPr>
+        <p:spPr/>
+        <p:txBody>
+          <a:bodyPr/>
+          <a:lstStyle/>
+          <a:p>
+            <a:r>
+              <a:rPr lang="en-SG" dirty="0"/>
+              <a:t>Performed PCA on the 3000+ genes, capturing 90% of the total variation</a:t>
+            </a:r>
+          </a:p>
+        </p:txBody>
+      </p:sp>
+    </p:spTree>
+    <p:extLst>
+      <p:ext uri="{BB962C8B-B14F-4D97-AF65-F5344CB8AC3E}">
+        <p14:creationId xmlns:p14="http://schemas.microsoft.com/office/powerpoint/2010/main" val="2054491218"/>
+      </p:ext>
+    </p:extLst>
+  </p:cSld>
+  <p:clrMapOvr>
+    <a:masterClrMapping/>
+  </p:clrMapOvr>
+</p:sld>
+</file>
+
+<file path=ppt/slides/slide21.xml><?xml version="1.0" encoding="utf-8"?>
+<p:sld xmlns:a="http://schemas.openxmlformats.org/drawingml/2006/main" xmlns:r="http://schemas.openxmlformats.org/officeDocument/2006/relationships" xmlns:p="http://schemas.openxmlformats.org/presentationml/2006/main">
+  <p:cSld>
+    <p:spTree>
+      <p:nvGrpSpPr>
+        <p:cNvPr id="1" name=""/>
+        <p:cNvGrpSpPr/>
+        <p:nvPr/>
+      </p:nvGrpSpPr>
+      <p:grpSpPr>
+        <a:xfrm>
+          <a:off x="0" y="0"/>
+          <a:ext cx="0" cy="0"/>
+          <a:chOff x="0" y="0"/>
+          <a:chExt cx="0" cy="0"/>
+        </a:xfrm>
+      </p:grpSpPr>
+      <p:sp>
+        <p:nvSpPr>
+          <p:cNvPr id="2" name="Title 1">
+            <a:extLst>
+              <a:ext uri="{FF2B5EF4-FFF2-40B4-BE49-F238E27FC236}">
+                <a16:creationId xmlns:a16="http://schemas.microsoft.com/office/drawing/2014/main" id="{A2210810-9074-4A40-A816-986C6F45BEA5}"/>
+              </a:ext>
+            </a:extLst>
+          </p:cNvPr>
+          <p:cNvSpPr>
+            <a:spLocks noGrp="1"/>
+          </p:cNvSpPr>
+          <p:nvPr>
+            <p:ph type="title"/>
+          </p:nvPr>
+        </p:nvSpPr>
+        <p:spPr/>
+        <p:txBody>
+          <a:bodyPr/>
+          <a:lstStyle/>
+          <a:p>
+            <a:r>
+              <a:rPr lang="en-SG" dirty="0"/>
+              <a:t>Classification Accuracy</a:t>
+            </a:r>
+          </a:p>
+        </p:txBody>
+      </p:sp>
+      <p:sp>
+        <p:nvSpPr>
+          <p:cNvPr id="3" name="Content Placeholder 2">
+            <a:extLst>
+              <a:ext uri="{FF2B5EF4-FFF2-40B4-BE49-F238E27FC236}">
+                <a16:creationId xmlns:a16="http://schemas.microsoft.com/office/drawing/2014/main" id="{7DA70825-5380-43BE-8917-EABB751BC8A4}"/>
+              </a:ext>
+            </a:extLst>
+          </p:cNvPr>
+          <p:cNvSpPr>
+            <a:spLocks noGrp="1"/>
+          </p:cNvSpPr>
+          <p:nvPr>
+            <p:ph idx="1"/>
+          </p:nvPr>
+        </p:nvSpPr>
+        <p:spPr/>
+        <p:txBody>
+          <a:bodyPr/>
+          <a:lstStyle/>
+          <a:p>
+            <a:r>
+              <a:rPr lang="en-GB" dirty="0"/>
+              <a:t>With 5-fold cross-validation</a:t>
+            </a:r>
+          </a:p>
+          <a:p>
+            <a:endParaRPr lang="en-GB" dirty="0"/>
+          </a:p>
+          <a:p>
+            <a:r>
+              <a:rPr lang="en-GB" dirty="0"/>
+              <a:t>logistic regression with </a:t>
+            </a:r>
+            <a:r>
+              <a:rPr lang="en-GB" dirty="0" err="1"/>
+              <a:t>pca</a:t>
+            </a:r>
+            <a:r>
+              <a:rPr lang="en-GB" dirty="0"/>
+              <a:t>: 80%</a:t>
+            </a:r>
+          </a:p>
+          <a:p>
+            <a:r>
+              <a:rPr lang="en-GB" dirty="0"/>
+              <a:t>logistic regression without </a:t>
+            </a:r>
+            <a:r>
+              <a:rPr lang="en-GB" dirty="0" err="1"/>
+              <a:t>pca</a:t>
+            </a:r>
+            <a:r>
+              <a:rPr lang="en-GB" dirty="0"/>
+              <a:t>: 48% (prediction from a rank-deficient fit may be misleading, genes &gt; samples)</a:t>
+            </a:r>
+          </a:p>
+          <a:p>
+            <a:endParaRPr lang="en-SG" dirty="0"/>
+          </a:p>
+          <a:p>
+            <a:r>
+              <a:rPr lang="en-SG" dirty="0" err="1"/>
+              <a:t>svm</a:t>
+            </a:r>
+            <a:r>
+              <a:rPr lang="en-SG" dirty="0"/>
+              <a:t> with </a:t>
+            </a:r>
+            <a:r>
+              <a:rPr lang="en-SG" dirty="0" err="1"/>
+              <a:t>pca</a:t>
+            </a:r>
+            <a:r>
+              <a:rPr lang="en-SG" dirty="0"/>
+              <a:t>: 83%</a:t>
+            </a:r>
+          </a:p>
+          <a:p>
+            <a:r>
+              <a:rPr lang="en-SG" dirty="0" err="1"/>
+              <a:t>svm</a:t>
+            </a:r>
+            <a:r>
+              <a:rPr lang="en-SG" dirty="0"/>
+              <a:t> without </a:t>
+            </a:r>
+            <a:r>
+              <a:rPr lang="en-SG" dirty="0" err="1"/>
+              <a:t>pca</a:t>
+            </a:r>
+            <a:r>
+              <a:rPr lang="en-SG" dirty="0"/>
+              <a:t>: 85%</a:t>
+            </a:r>
+          </a:p>
+          <a:p>
+            <a:endParaRPr lang="en-SG" dirty="0"/>
+          </a:p>
+        </p:txBody>
+      </p:sp>
+    </p:spTree>
+    <p:extLst>
+      <p:ext uri="{BB962C8B-B14F-4D97-AF65-F5344CB8AC3E}">
+        <p14:creationId xmlns:p14="http://schemas.microsoft.com/office/powerpoint/2010/main" val="3557417461"/>
+      </p:ext>
+    </p:extLst>
+  </p:cSld>
+  <p:clrMapOvr>
+    <a:masterClrMapping/>
+  </p:clrMapOvr>
+</p:sld>
+</file>
+
+<file path=ppt/slides/slide22.xml><?xml version="1.0" encoding="utf-8"?>
+<p:sld xmlns:a="http://schemas.openxmlformats.org/drawingml/2006/main" xmlns:r="http://schemas.openxmlformats.org/officeDocument/2006/relationships" xmlns:p="http://schemas.openxmlformats.org/presentationml/2006/main">
+  <p:cSld>
+    <p:spTree>
+      <p:nvGrpSpPr>
+        <p:cNvPr id="1" name=""/>
+        <p:cNvGrpSpPr/>
+        <p:nvPr/>
+      </p:nvGrpSpPr>
+      <p:grpSpPr>
+        <a:xfrm>
+          <a:off x="0" y="0"/>
+          <a:ext cx="0" cy="0"/>
+          <a:chOff x="0" y="0"/>
+          <a:chExt cx="0" cy="0"/>
+        </a:xfrm>
+      </p:grpSpPr>
+      <p:sp>
+        <p:nvSpPr>
+          <p:cNvPr id="2" name="Title 1">
+            <a:extLst>
+              <a:ext uri="{FF2B5EF4-FFF2-40B4-BE49-F238E27FC236}">
+                <a16:creationId xmlns:a16="http://schemas.microsoft.com/office/drawing/2014/main" id="{54CBF8D6-AEAB-4E4C-9DE2-08ABAB7670C7}"/>
+              </a:ext>
+            </a:extLst>
+          </p:cNvPr>
+          <p:cNvSpPr>
+            <a:spLocks noGrp="1"/>
+          </p:cNvSpPr>
+          <p:nvPr>
+            <p:ph type="title"/>
+          </p:nvPr>
+        </p:nvSpPr>
+        <p:spPr/>
+        <p:txBody>
+          <a:bodyPr/>
+          <a:lstStyle/>
+          <a:p>
+            <a:r>
+              <a:rPr lang="en-SG" dirty="0" err="1"/>
+              <a:t>Kmeans</a:t>
+            </a:r>
+            <a:r>
+              <a:rPr lang="en-SG" dirty="0"/>
+              <a:t> Clustering</a:t>
+            </a:r>
+          </a:p>
+        </p:txBody>
+      </p:sp>
+      <p:sp>
+        <p:nvSpPr>
+          <p:cNvPr id="3" name="Content Placeholder 2">
+            <a:extLst>
+              <a:ext uri="{FF2B5EF4-FFF2-40B4-BE49-F238E27FC236}">
+                <a16:creationId xmlns:a16="http://schemas.microsoft.com/office/drawing/2014/main" id="{21BE51D5-BE4C-4912-B4D0-F2D6A8E93B56}"/>
+              </a:ext>
+            </a:extLst>
+          </p:cNvPr>
+          <p:cNvSpPr>
+            <a:spLocks noGrp="1"/>
+          </p:cNvSpPr>
+          <p:nvPr>
+            <p:ph idx="1"/>
+          </p:nvPr>
+        </p:nvSpPr>
+        <p:spPr/>
+        <p:txBody>
+          <a:bodyPr/>
+          <a:lstStyle/>
+          <a:p>
+            <a:r>
+              <a:rPr lang="en-SG" dirty="0"/>
+              <a:t>3 clusters by Elbow Method</a:t>
+            </a:r>
+          </a:p>
+          <a:p>
+            <a:endParaRPr lang="en-SG" dirty="0"/>
+          </a:p>
+        </p:txBody>
+      </p:sp>
+    </p:spTree>
+    <p:extLst>
+      <p:ext uri="{BB962C8B-B14F-4D97-AF65-F5344CB8AC3E}">
+        <p14:creationId xmlns:p14="http://schemas.microsoft.com/office/powerpoint/2010/main" val="4043249350"/>
+      </p:ext>
+    </p:extLst>
+  </p:cSld>
+  <p:clrMapOvr>
+    <a:masterClrMapping/>
+  </p:clrMapOvr>
+</p:sld>
+</file>
+
+<file path=ppt/slides/slide23.xml><?xml version="1.0" encoding="utf-8"?>
+<p:sld xmlns:a="http://schemas.openxmlformats.org/drawingml/2006/main" xmlns:r="http://schemas.openxmlformats.org/officeDocument/2006/relationships" xmlns:p="http://schemas.openxmlformats.org/presentationml/2006/main">
+  <p:cSld>
+    <p:spTree>
+      <p:nvGrpSpPr>
+        <p:cNvPr id="1" name=""/>
+        <p:cNvGrpSpPr/>
+        <p:nvPr/>
+      </p:nvGrpSpPr>
+      <p:grpSpPr>
+        <a:xfrm>
+          <a:off x="0" y="0"/>
+          <a:ext cx="0" cy="0"/>
+          <a:chOff x="0" y="0"/>
+          <a:chExt cx="0" cy="0"/>
+        </a:xfrm>
+      </p:grpSpPr>
+      <p:sp>
+        <p:nvSpPr>
+          <p:cNvPr id="2" name="Title 1">
+            <a:extLst>
+              <a:ext uri="{FF2B5EF4-FFF2-40B4-BE49-F238E27FC236}">
+                <a16:creationId xmlns:a16="http://schemas.microsoft.com/office/drawing/2014/main" id="{00AD00BB-208A-42CB-8939-15ED7C4EE3E8}"/>
+              </a:ext>
+            </a:extLst>
+          </p:cNvPr>
+          <p:cNvSpPr>
+            <a:spLocks noGrp="1"/>
+          </p:cNvSpPr>
+          <p:nvPr>
+            <p:ph type="title"/>
+          </p:nvPr>
+        </p:nvSpPr>
+        <p:spPr/>
+        <p:txBody>
+          <a:bodyPr/>
+          <a:lstStyle/>
+          <a:p>
+            <a:r>
+              <a:rPr lang="en-GB" dirty="0"/>
+              <a:t>GSEA</a:t>
+            </a:r>
+            <a:endParaRPr lang="en-SG" dirty="0"/>
+          </a:p>
+        </p:txBody>
+      </p:sp>
+      <p:sp>
+        <p:nvSpPr>
+          <p:cNvPr id="3" name="Content Placeholder 2">
+            <a:extLst>
+              <a:ext uri="{FF2B5EF4-FFF2-40B4-BE49-F238E27FC236}">
+                <a16:creationId xmlns:a16="http://schemas.microsoft.com/office/drawing/2014/main" id="{48357575-E6D8-4EF7-8D3A-B667DFDA40F0}"/>
+              </a:ext>
+            </a:extLst>
+          </p:cNvPr>
+          <p:cNvSpPr>
+            <a:spLocks noGrp="1"/>
+          </p:cNvSpPr>
+          <p:nvPr>
+            <p:ph idx="1"/>
+          </p:nvPr>
+        </p:nvSpPr>
+        <p:spPr/>
+        <p:txBody>
+          <a:bodyPr/>
+          <a:lstStyle/>
+          <a:p>
+            <a:r>
+              <a:rPr lang="en-GB" dirty="0"/>
+              <a:t>The cancer gene neighbourhoods collection shows significant results</a:t>
+            </a:r>
+          </a:p>
+          <a:p>
+            <a:r>
+              <a:rPr lang="en-GB" dirty="0"/>
+              <a:t>Some gene sets in this collection show significant enrichment</a:t>
+            </a:r>
+          </a:p>
+          <a:p>
+            <a:r>
+              <a:rPr lang="en-GB" dirty="0"/>
+              <a:t>Visualised such gene sets using </a:t>
+            </a:r>
+            <a:r>
+              <a:rPr lang="en-GB" dirty="0" err="1"/>
+              <a:t>Cytoscape’s</a:t>
+            </a:r>
+            <a:r>
+              <a:rPr lang="en-GB" dirty="0"/>
+              <a:t> Enrichment Map</a:t>
+            </a:r>
+          </a:p>
+          <a:p>
+            <a:r>
+              <a:rPr lang="en-GB" dirty="0"/>
+              <a:t>Main cluster seen</a:t>
+            </a:r>
+            <a:endParaRPr lang="en-SG" dirty="0"/>
+          </a:p>
+        </p:txBody>
+      </p:sp>
+    </p:spTree>
+    <p:extLst>
+      <p:ext uri="{BB962C8B-B14F-4D97-AF65-F5344CB8AC3E}">
+        <p14:creationId xmlns:p14="http://schemas.microsoft.com/office/powerpoint/2010/main" val="2292342468"/>
+      </p:ext>
+    </p:extLst>
+  </p:cSld>
+  <p:clrMapOvr>
+    <a:masterClrMapping/>
+  </p:clrMapOvr>
+</p:sld>
+</file>
+
+<file path=ppt/slides/slide24.xml><?xml version="1.0" encoding="utf-8"?>
+<p:sld xmlns:a="http://schemas.openxmlformats.org/drawingml/2006/main" xmlns:r="http://schemas.openxmlformats.org/officeDocument/2006/relationships" xmlns:p="http://schemas.openxmlformats.org/presentationml/2006/main">
+  <p:cSld>
+    <p:spTree>
+      <p:nvGrpSpPr>
+        <p:cNvPr id="1" name=""/>
+        <p:cNvGrpSpPr/>
+        <p:nvPr/>
+      </p:nvGrpSpPr>
+      <p:grpSpPr>
+        <a:xfrm>
+          <a:off x="0" y="0"/>
+          <a:ext cx="0" cy="0"/>
+          <a:chOff x="0" y="0"/>
+          <a:chExt cx="0" cy="0"/>
+        </a:xfrm>
+      </p:grpSpPr>
+      <p:sp>
+        <p:nvSpPr>
+          <p:cNvPr id="2" name="Title 1">
+            <a:extLst>
+              <a:ext uri="{FF2B5EF4-FFF2-40B4-BE49-F238E27FC236}">
+                <a16:creationId xmlns:a16="http://schemas.microsoft.com/office/drawing/2014/main" id="{F73808FD-98C6-4F51-A266-61B34D349372}"/>
+              </a:ext>
+            </a:extLst>
+          </p:cNvPr>
+          <p:cNvSpPr>
+            <a:spLocks noGrp="1"/>
+          </p:cNvSpPr>
+          <p:nvPr>
+            <p:ph type="title"/>
+          </p:nvPr>
+        </p:nvSpPr>
+        <p:spPr/>
+        <p:txBody>
+          <a:bodyPr/>
+          <a:lstStyle/>
+          <a:p>
+            <a:r>
+              <a:rPr lang="en-GB" dirty="0"/>
+              <a:t>GSEA</a:t>
+            </a:r>
+            <a:endParaRPr lang="en-SG" dirty="0"/>
+          </a:p>
+        </p:txBody>
+      </p:sp>
+      <p:pic>
+        <p:nvPicPr>
+          <p:cNvPr id="5" name="Content Placeholder 4" descr="Chart&#10;&#10;Description automatically generated">
+            <a:extLst>
+              <a:ext uri="{FF2B5EF4-FFF2-40B4-BE49-F238E27FC236}">
+                <a16:creationId xmlns:a16="http://schemas.microsoft.com/office/drawing/2014/main" id="{B6C6BA36-784F-4F0C-AC05-E87E12924B1F}"/>
+              </a:ext>
+            </a:extLst>
+          </p:cNvPr>
+          <p:cNvPicPr>
+            <a:picLocks noGrp="1" noChangeAspect="1"/>
+          </p:cNvPicPr>
+          <p:nvPr>
+            <p:ph idx="1"/>
+          </p:nvPr>
+        </p:nvPicPr>
+        <p:blipFill>
+          <a:blip r:embed="rId2">
+            <a:extLst>
+              <a:ext uri="{28A0092B-C50C-407E-A947-70E740481C1C}">
+                <a14:useLocalDpi xmlns:a14="http://schemas.microsoft.com/office/drawing/2010/main" val="0"/>
+              </a:ext>
+            </a:extLst>
+          </a:blip>
+          <a:stretch>
+            <a:fillRect/>
+          </a:stretch>
+        </p:blipFill>
+        <p:spPr>
+          <a:xfrm>
+            <a:off x="582612" y="1450932"/>
+            <a:ext cx="10860181" cy="4302167"/>
+          </a:xfrm>
+        </p:spPr>
+      </p:pic>
+    </p:spTree>
+    <p:extLst>
+      <p:ext uri="{BB962C8B-B14F-4D97-AF65-F5344CB8AC3E}">
+        <p14:creationId xmlns:p14="http://schemas.microsoft.com/office/powerpoint/2010/main" val="2446674544"/>
+      </p:ext>
+    </p:extLst>
+  </p:cSld>
+  <p:clrMapOvr>
+    <a:masterClrMapping/>
+  </p:clrMapOvr>
+</p:sld>
+</file>
+
+<file path=ppt/slides/slide25.xml><?xml version="1.0" encoding="utf-8"?>
+<p:sld xmlns:a="http://schemas.openxmlformats.org/drawingml/2006/main" xmlns:r="http://schemas.openxmlformats.org/officeDocument/2006/relationships" xmlns:p="http://schemas.openxmlformats.org/presentationml/2006/main">
+  <p:cSld>
+    <p:spTree>
+      <p:nvGrpSpPr>
+        <p:cNvPr id="1" name=""/>
+        <p:cNvGrpSpPr/>
+        <p:nvPr/>
+      </p:nvGrpSpPr>
+      <p:grpSpPr>
+        <a:xfrm>
+          <a:off x="0" y="0"/>
+          <a:ext cx="0" cy="0"/>
+          <a:chOff x="0" y="0"/>
+          <a:chExt cx="0" cy="0"/>
+        </a:xfrm>
+      </p:grpSpPr>
+      <p:sp>
+        <p:nvSpPr>
+          <p:cNvPr id="2" name="Title 1">
+            <a:extLst>
+              <a:ext uri="{FF2B5EF4-FFF2-40B4-BE49-F238E27FC236}">
+                <a16:creationId xmlns:a16="http://schemas.microsoft.com/office/drawing/2014/main" id="{CD4891CE-C591-4E10-AA00-987258A808C7}"/>
+              </a:ext>
+            </a:extLst>
+          </p:cNvPr>
+          <p:cNvSpPr>
+            <a:spLocks noGrp="1"/>
+          </p:cNvSpPr>
+          <p:nvPr>
+            <p:ph type="title"/>
+          </p:nvPr>
+        </p:nvSpPr>
+        <p:spPr/>
+        <p:txBody>
+          <a:bodyPr/>
+          <a:lstStyle/>
+          <a:p>
+            <a:r>
+              <a:rPr lang="en-GB" dirty="0"/>
+              <a:t>GSEA</a:t>
+            </a:r>
+            <a:endParaRPr lang="en-SG" dirty="0"/>
+          </a:p>
+        </p:txBody>
+      </p:sp>
+      <p:sp>
+        <p:nvSpPr>
+          <p:cNvPr id="3" name="Content Placeholder 2">
+            <a:extLst>
+              <a:ext uri="{FF2B5EF4-FFF2-40B4-BE49-F238E27FC236}">
+                <a16:creationId xmlns:a16="http://schemas.microsoft.com/office/drawing/2014/main" id="{426BC53B-4BAC-4F83-9F18-306080EBB6C2}"/>
+              </a:ext>
+            </a:extLst>
+          </p:cNvPr>
+          <p:cNvSpPr>
+            <a:spLocks noGrp="1"/>
+          </p:cNvSpPr>
+          <p:nvPr>
+            <p:ph idx="1"/>
+          </p:nvPr>
+        </p:nvSpPr>
+        <p:spPr/>
+        <p:txBody>
+          <a:bodyPr/>
+          <a:lstStyle/>
+          <a:p>
+            <a:r>
+              <a:rPr lang="en-GB" dirty="0"/>
+              <a:t>Nodes represent gene sets </a:t>
+            </a:r>
+          </a:p>
+          <a:p>
+            <a:r>
+              <a:rPr lang="en-GB" dirty="0"/>
+              <a:t>Edges mean that two gene sets have genes in common</a:t>
+            </a:r>
+          </a:p>
+          <a:p>
+            <a:r>
+              <a:rPr lang="en-GB" dirty="0"/>
+              <a:t>Main cluster of gene sets that share common genes</a:t>
+            </a:r>
+          </a:p>
+          <a:p>
+            <a:r>
+              <a:rPr lang="en-GB" dirty="0"/>
+              <a:t>Makes sense that their names would all start with MORF</a:t>
+            </a:r>
+          </a:p>
+          <a:p>
+            <a:r>
+              <a:rPr lang="en-GB" dirty="0"/>
+              <a:t>So this ‘MORF’ cluster shows significant enrichment in one patient subtype compared to another</a:t>
+            </a:r>
+          </a:p>
+          <a:p>
+            <a:r>
+              <a:rPr lang="en-GB" dirty="0"/>
+              <a:t>So far: defined the patient subtypes and their differences</a:t>
+            </a:r>
+          </a:p>
+          <a:p>
+            <a:r>
+              <a:rPr lang="en-GB" dirty="0"/>
+              <a:t>Next step: further explore those differences by investigating the ‘MORF’ cluster</a:t>
+            </a:r>
+          </a:p>
+        </p:txBody>
+      </p:sp>
+    </p:spTree>
+    <p:extLst>
+      <p:ext uri="{BB962C8B-B14F-4D97-AF65-F5344CB8AC3E}">
+        <p14:creationId xmlns:p14="http://schemas.microsoft.com/office/powerpoint/2010/main" val="2018943619"/>
       </p:ext>
     </p:extLst>
   </p:cSld>
@@ -6513,6 +8253,389 @@
     <p:extLst>
       <p:ext uri="{BB962C8B-B14F-4D97-AF65-F5344CB8AC3E}">
         <p14:creationId xmlns:p14="http://schemas.microsoft.com/office/powerpoint/2010/main" val="2980804632"/>
+      </p:ext>
+    </p:extLst>
+  </p:cSld>
+  <p:clrMapOvr>
+    <a:masterClrMapping/>
+  </p:clrMapOvr>
+</p:sld>
+</file>
+
+<file path=ppt/slides/slide7.xml><?xml version="1.0" encoding="utf-8"?>
+<p:sld xmlns:a="http://schemas.openxmlformats.org/drawingml/2006/main" xmlns:r="http://schemas.openxmlformats.org/officeDocument/2006/relationships" xmlns:p="http://schemas.openxmlformats.org/presentationml/2006/main">
+  <p:cSld>
+    <p:spTree>
+      <p:nvGrpSpPr>
+        <p:cNvPr id="1" name=""/>
+        <p:cNvGrpSpPr/>
+        <p:nvPr/>
+      </p:nvGrpSpPr>
+      <p:grpSpPr>
+        <a:xfrm>
+          <a:off x="0" y="0"/>
+          <a:ext cx="0" cy="0"/>
+          <a:chOff x="0" y="0"/>
+          <a:chExt cx="0" cy="0"/>
+        </a:xfrm>
+      </p:grpSpPr>
+      <p:sp>
+        <p:nvSpPr>
+          <p:cNvPr id="2" name="Title 1">
+            <a:extLst>
+              <a:ext uri="{FF2B5EF4-FFF2-40B4-BE49-F238E27FC236}">
+                <a16:creationId xmlns:a16="http://schemas.microsoft.com/office/drawing/2014/main" id="{73D113DD-8003-49F5-A7E0-9B357FF58C39}"/>
+              </a:ext>
+            </a:extLst>
+          </p:cNvPr>
+          <p:cNvSpPr>
+            <a:spLocks noGrp="1"/>
+          </p:cNvSpPr>
+          <p:nvPr>
+            <p:ph type="title"/>
+          </p:nvPr>
+        </p:nvSpPr>
+        <p:spPr/>
+        <p:txBody>
+          <a:bodyPr/>
+          <a:lstStyle/>
+          <a:p>
+            <a:r>
+              <a:rPr lang="en-SG" dirty="0"/>
+              <a:t>Number of principal components</a:t>
+            </a:r>
+          </a:p>
+        </p:txBody>
+      </p:sp>
+      <p:sp>
+        <p:nvSpPr>
+          <p:cNvPr id="3" name="Content Placeholder 2">
+            <a:extLst>
+              <a:ext uri="{FF2B5EF4-FFF2-40B4-BE49-F238E27FC236}">
+                <a16:creationId xmlns:a16="http://schemas.microsoft.com/office/drawing/2014/main" id="{48BD0CFB-A4E9-4007-8684-1FBF341C3208}"/>
+              </a:ext>
+            </a:extLst>
+          </p:cNvPr>
+          <p:cNvSpPr>
+            <a:spLocks noGrp="1"/>
+          </p:cNvSpPr>
+          <p:nvPr>
+            <p:ph idx="1"/>
+          </p:nvPr>
+        </p:nvSpPr>
+        <p:spPr/>
+        <p:txBody>
+          <a:bodyPr/>
+          <a:lstStyle/>
+          <a:p>
+            <a:r>
+              <a:rPr lang="en-SG" dirty="0"/>
+              <a:t>133 for 80% of the variation</a:t>
+            </a:r>
+          </a:p>
+        </p:txBody>
+      </p:sp>
+    </p:spTree>
+    <p:extLst>
+      <p:ext uri="{BB962C8B-B14F-4D97-AF65-F5344CB8AC3E}">
+        <p14:creationId xmlns:p14="http://schemas.microsoft.com/office/powerpoint/2010/main" val="3632561245"/>
+      </p:ext>
+    </p:extLst>
+  </p:cSld>
+  <p:clrMapOvr>
+    <a:masterClrMapping/>
+  </p:clrMapOvr>
+</p:sld>
+</file>
+
+<file path=ppt/slides/slide8.xml><?xml version="1.0" encoding="utf-8"?>
+<p:sld xmlns:a="http://schemas.openxmlformats.org/drawingml/2006/main" xmlns:r="http://schemas.openxmlformats.org/officeDocument/2006/relationships" xmlns:p="http://schemas.openxmlformats.org/presentationml/2006/main">
+  <p:cSld>
+    <p:spTree>
+      <p:nvGrpSpPr>
+        <p:cNvPr id="1" name=""/>
+        <p:cNvGrpSpPr/>
+        <p:nvPr/>
+      </p:nvGrpSpPr>
+      <p:grpSpPr>
+        <a:xfrm>
+          <a:off x="0" y="0"/>
+          <a:ext cx="0" cy="0"/>
+          <a:chOff x="0" y="0"/>
+          <a:chExt cx="0" cy="0"/>
+        </a:xfrm>
+      </p:grpSpPr>
+      <p:sp>
+        <p:nvSpPr>
+          <p:cNvPr id="2" name="Title 1">
+            <a:extLst>
+              <a:ext uri="{FF2B5EF4-FFF2-40B4-BE49-F238E27FC236}">
+                <a16:creationId xmlns:a16="http://schemas.microsoft.com/office/drawing/2014/main" id="{52029C28-C2C5-4952-A9E0-00441E40D9CE}"/>
+              </a:ext>
+            </a:extLst>
+          </p:cNvPr>
+          <p:cNvSpPr>
+            <a:spLocks noGrp="1"/>
+          </p:cNvSpPr>
+          <p:nvPr>
+            <p:ph type="title"/>
+          </p:nvPr>
+        </p:nvSpPr>
+        <p:spPr/>
+        <p:txBody>
+          <a:bodyPr/>
+          <a:lstStyle/>
+          <a:p>
+            <a:r>
+              <a:rPr lang="en-SG" dirty="0"/>
+              <a:t>Comparing Classifier Performance</a:t>
+            </a:r>
+          </a:p>
+        </p:txBody>
+      </p:sp>
+      <p:sp>
+        <p:nvSpPr>
+          <p:cNvPr id="3" name="Content Placeholder 2">
+            <a:extLst>
+              <a:ext uri="{FF2B5EF4-FFF2-40B4-BE49-F238E27FC236}">
+                <a16:creationId xmlns:a16="http://schemas.microsoft.com/office/drawing/2014/main" id="{94F1203C-E64E-4B6C-87D9-0D97384A1EFD}"/>
+              </a:ext>
+            </a:extLst>
+          </p:cNvPr>
+          <p:cNvSpPr>
+            <a:spLocks noGrp="1"/>
+          </p:cNvSpPr>
+          <p:nvPr>
+            <p:ph idx="1"/>
+          </p:nvPr>
+        </p:nvSpPr>
+        <p:spPr/>
+        <p:txBody>
+          <a:bodyPr/>
+          <a:lstStyle/>
+          <a:p>
+            <a:r>
+              <a:rPr lang="en-SG" dirty="0"/>
+              <a:t>Unable to classify the entire dataset of all 55 000+ genes as it was too large</a:t>
+            </a:r>
+          </a:p>
+          <a:p>
+            <a:r>
+              <a:rPr lang="en-SG" dirty="0"/>
+              <a:t>Used subsets</a:t>
+            </a:r>
+          </a:p>
+          <a:p>
+            <a:r>
+              <a:rPr lang="en-SG" dirty="0"/>
+              <a:t>First, I wanted to see if the low variance genes would decrease classifier performance</a:t>
+            </a:r>
+          </a:p>
+          <a:p>
+            <a:r>
+              <a:rPr lang="en-SG" dirty="0"/>
+              <a:t>Then, I wanted to see if PCA could address that</a:t>
+            </a:r>
+          </a:p>
+          <a:p>
+            <a:r>
+              <a:rPr lang="en-SG" dirty="0"/>
+              <a:t>I ranked the genes in order of variance</a:t>
+            </a:r>
+          </a:p>
+        </p:txBody>
+      </p:sp>
+    </p:spTree>
+    <p:extLst>
+      <p:ext uri="{BB962C8B-B14F-4D97-AF65-F5344CB8AC3E}">
+        <p14:creationId xmlns:p14="http://schemas.microsoft.com/office/powerpoint/2010/main" val="3938537432"/>
+      </p:ext>
+    </p:extLst>
+  </p:cSld>
+  <p:clrMapOvr>
+    <a:masterClrMapping/>
+  </p:clrMapOvr>
+</p:sld>
+</file>
+
+<file path=ppt/slides/slide9.xml><?xml version="1.0" encoding="utf-8"?>
+<p:sld xmlns:a="http://schemas.openxmlformats.org/drawingml/2006/main" xmlns:r="http://schemas.openxmlformats.org/officeDocument/2006/relationships" xmlns:p="http://schemas.openxmlformats.org/presentationml/2006/main">
+  <p:cSld>
+    <p:spTree>
+      <p:nvGrpSpPr>
+        <p:cNvPr id="1" name=""/>
+        <p:cNvGrpSpPr/>
+        <p:nvPr/>
+      </p:nvGrpSpPr>
+      <p:grpSpPr>
+        <a:xfrm>
+          <a:off x="0" y="0"/>
+          <a:ext cx="0" cy="0"/>
+          <a:chOff x="0" y="0"/>
+          <a:chExt cx="0" cy="0"/>
+        </a:xfrm>
+      </p:grpSpPr>
+      <p:sp>
+        <p:nvSpPr>
+          <p:cNvPr id="3" name="Content Placeholder 2">
+            <a:extLst>
+              <a:ext uri="{FF2B5EF4-FFF2-40B4-BE49-F238E27FC236}">
+                <a16:creationId xmlns:a16="http://schemas.microsoft.com/office/drawing/2014/main" id="{AD43584A-6754-435D-8353-A5CFE8A1561E}"/>
+              </a:ext>
+            </a:extLst>
+          </p:cNvPr>
+          <p:cNvSpPr>
+            <a:spLocks noGrp="1"/>
+          </p:cNvSpPr>
+          <p:nvPr>
+            <p:ph idx="1"/>
+          </p:nvPr>
+        </p:nvSpPr>
+        <p:spPr>
+          <a:xfrm>
+            <a:off x="734484" y="846139"/>
+            <a:ext cx="8596668" cy="3880773"/>
+          </a:xfrm>
+        </p:spPr>
+        <p:txBody>
+          <a:bodyPr>
+            <a:noAutofit/>
+          </a:bodyPr>
+          <a:lstStyle/>
+          <a:p>
+            <a:pPr marL="0" indent="0">
+              <a:buNone/>
+            </a:pPr>
+            <a:r>
+              <a:rPr lang="en-GB" sz="1600" dirty="0"/>
+              <a:t>Genes with the top 10 000 variances (constant) and:</a:t>
+            </a:r>
+          </a:p>
+          <a:p>
+            <a:r>
+              <a:rPr lang="en-GB" sz="1600" dirty="0"/>
+              <a:t>10 000 - 12 000: 36% </a:t>
+            </a:r>
+          </a:p>
+          <a:p>
+            <a:r>
+              <a:rPr lang="en-GB" sz="1600" dirty="0"/>
+              <a:t>16 000 - 18 000: 40%</a:t>
+            </a:r>
+          </a:p>
+          <a:p>
+            <a:r>
+              <a:rPr lang="en-GB" sz="1600" dirty="0"/>
+              <a:t>24 000 - 26 000: 41%</a:t>
+            </a:r>
+          </a:p>
+          <a:p>
+            <a:r>
+              <a:rPr lang="en-GB" sz="1600" dirty="0"/>
+              <a:t>30 000 - 32 000: 38%</a:t>
+            </a:r>
+          </a:p>
+          <a:p>
+            <a:r>
+              <a:rPr lang="en-GB" sz="1600" dirty="0"/>
+              <a:t>34 000 - 36 000: 34% </a:t>
+            </a:r>
+          </a:p>
+          <a:p>
+            <a:r>
+              <a:rPr lang="en-GB" sz="1600" dirty="0"/>
+              <a:t>38 000 - 40 000: 29%, with </a:t>
+            </a:r>
+            <a:r>
+              <a:rPr lang="en-GB" sz="1600" dirty="0" err="1"/>
+              <a:t>pca</a:t>
+            </a:r>
+            <a:r>
+              <a:rPr lang="en-GB" sz="1600" dirty="0"/>
+              <a:t>: 39%</a:t>
+            </a:r>
+          </a:p>
+          <a:p>
+            <a:r>
+              <a:rPr lang="en-GB" sz="1600" dirty="0"/>
+              <a:t>40 000 - 42 000: 22%, with </a:t>
+            </a:r>
+            <a:r>
+              <a:rPr lang="en-GB" sz="1600" dirty="0" err="1"/>
+              <a:t>pca</a:t>
+            </a:r>
+            <a:r>
+              <a:rPr lang="en-GB" sz="1600" dirty="0"/>
+              <a:t>: 39%</a:t>
+            </a:r>
+          </a:p>
+          <a:p>
+            <a:r>
+              <a:rPr lang="en-GB" sz="1600" dirty="0"/>
+              <a:t>42 000 - 44 000: 15%, with </a:t>
+            </a:r>
+            <a:r>
+              <a:rPr lang="en-GB" sz="1600" dirty="0" err="1"/>
+              <a:t>pca</a:t>
+            </a:r>
+            <a:r>
+              <a:rPr lang="en-GB" sz="1600" dirty="0"/>
+              <a:t>: 41%</a:t>
+            </a:r>
+          </a:p>
+          <a:p>
+            <a:r>
+              <a:rPr lang="en-GB" sz="1600" dirty="0"/>
+              <a:t>46 000 - 48 000: 10%, with </a:t>
+            </a:r>
+            <a:r>
+              <a:rPr lang="en-GB" sz="1600" dirty="0" err="1"/>
+              <a:t>pca</a:t>
+            </a:r>
+            <a:r>
+              <a:rPr lang="en-GB" sz="1600" dirty="0"/>
+              <a:t>: 33%</a:t>
+            </a:r>
+          </a:p>
+          <a:p>
+            <a:r>
+              <a:rPr lang="en-GB" sz="1600" dirty="0"/>
+              <a:t>.</a:t>
+            </a:r>
+          </a:p>
+          <a:p>
+            <a:r>
+              <a:rPr lang="en-GB" sz="1600" dirty="0"/>
+              <a:t>.</a:t>
+            </a:r>
+          </a:p>
+          <a:p>
+            <a:r>
+              <a:rPr lang="en-GB" sz="1600" dirty="0"/>
+              <a:t>.</a:t>
+            </a:r>
+          </a:p>
+          <a:p>
+            <a:r>
+              <a:rPr lang="en-GB" sz="1600" dirty="0"/>
+              <a:t>last 2000: 8%, with </a:t>
+            </a:r>
+            <a:r>
+              <a:rPr lang="en-GB" sz="1600" dirty="0" err="1"/>
+              <a:t>pca</a:t>
+            </a:r>
+            <a:r>
+              <a:rPr lang="en-GB" sz="1600" dirty="0"/>
+              <a:t>: 35%</a:t>
+            </a:r>
+            <a:endParaRPr lang="en-SG" sz="1600" dirty="0"/>
+          </a:p>
+        </p:txBody>
+      </p:sp>
+    </p:spTree>
+    <p:extLst>
+      <p:ext uri="{BB962C8B-B14F-4D97-AF65-F5344CB8AC3E}">
+        <p14:creationId xmlns:p14="http://schemas.microsoft.com/office/powerpoint/2010/main" val="3368484827"/>
       </p:ext>
     </p:extLst>
   </p:cSld>
